--- a/第6章-GIS数据可视化-8课时/第6章-GIS数据可视化分析.pptx
+++ b/第6章-GIS数据可视化-8课时/第6章-GIS数据可视化分析.pptx
@@ -18338,7 +18338,7 @@
         </p:nvSpPr>
         <p:spPr>
           <a:xfrm>
-            <a:off x="414554" y="1128372"/>
+            <a:off x="414554" y="1025343"/>
             <a:ext cx="8314891" cy="743986"/>
           </a:xfrm>
           <a:prstGeom prst="rect">
@@ -18365,7 +18365,7 @@
                 <a:latin typeface="+mn-ea"/>
                 <a:ea typeface="+mn-ea"/>
               </a:rPr>
-              <a:t>章节作业</a:t>
+              <a:t>章节作业（第三次作业）</a:t>
             </a:r>
             <a:endParaRPr lang="en-US" altLang="zh-CN" sz="3200" b="1" dirty="0">
               <a:solidFill>
@@ -18391,8 +18391,8 @@
         </p:nvSpPr>
         <p:spPr>
           <a:xfrm>
-            <a:off x="463695" y="2053629"/>
-            <a:ext cx="8085979" cy="2935547"/>
+            <a:off x="463695" y="1821815"/>
+            <a:ext cx="8085979" cy="4154471"/>
           </a:xfrm>
           <a:prstGeom prst="rect">
             <a:avLst/>
@@ -18411,7 +18411,7 @@
               </a:lnSpc>
             </a:pPr>
             <a:r>
-              <a:rPr lang="zh-CN" altLang="en-US" dirty="0">
+              <a:rPr lang="zh-CN" altLang="en-US" sz="2000" dirty="0">
                 <a:solidFill>
                   <a:srgbClr val="333333"/>
                 </a:solidFill>
@@ -18421,7 +18421,7 @@
               <a:t>利用</a:t>
             </a:r>
             <a:r>
-              <a:rPr lang="en-US" altLang="zh-CN" dirty="0">
+              <a:rPr lang="en-US" altLang="zh-CN" sz="2000" dirty="0">
                 <a:solidFill>
                   <a:srgbClr val="333333"/>
                 </a:solidFill>
@@ -18431,17 +18431,51 @@
               <a:t>python</a:t>
             </a:r>
             <a:r>
-              <a:rPr lang="zh-CN" altLang="en-US" dirty="0">
+              <a:rPr lang="zh-CN" altLang="en-US" sz="2000" dirty="0">
                 <a:solidFill>
                   <a:srgbClr val="333333"/>
                 </a:solidFill>
                 <a:latin typeface="+mn-ea"/>
                 <a:ea typeface="+mn-ea"/>
               </a:rPr>
-              <a:t>开源库制作云南大学地标区域（如图书馆、玫瑰园等）线上地图。要求标注云大呈贡校区范围，地标区域不得少于</a:t>
-            </a:r>
-            <a:r>
-              <a:rPr lang="en-US" altLang="zh-CN" dirty="0">
+              <a:t>开源库制作云南大学地标区域（如图书馆、玫瑰园等）线上地图。</a:t>
+            </a:r>
+            <a:endParaRPr lang="en-US" altLang="zh-CN" sz="2000" dirty="0">
+              <a:solidFill>
+                <a:srgbClr val="333333"/>
+              </a:solidFill>
+              <a:latin typeface="+mn-ea"/>
+              <a:ea typeface="+mn-ea"/>
+            </a:endParaRPr>
+          </a:p>
+          <a:p>
+            <a:pPr algn="just">
+              <a:lnSpc>
+                <a:spcPct val="200000"/>
+              </a:lnSpc>
+            </a:pPr>
+            <a:r>
+              <a:rPr lang="zh-CN" altLang="en-US" sz="2000" dirty="0">
+                <a:solidFill>
+                  <a:srgbClr val="333333"/>
+                </a:solidFill>
+                <a:latin typeface="+mn-ea"/>
+                <a:ea typeface="+mn-ea"/>
+              </a:rPr>
+              <a:t>要求标注云大呈贡校区范围，</a:t>
+            </a:r>
+            <a:r>
+              <a:rPr lang="zh-CN" altLang="en-US" sz="2000" u="sng" dirty="0">
+                <a:solidFill>
+                  <a:srgbClr val="333333"/>
+                </a:solidFill>
+                <a:latin typeface="+mn-ea"/>
+                <a:ea typeface="+mn-ea"/>
+              </a:rPr>
+              <a:t>地标区域不得少于</a:t>
+            </a:r>
+            <a:r>
+              <a:rPr lang="en-US" altLang="zh-CN" sz="2000" u="sng" dirty="0">
                 <a:solidFill>
                   <a:srgbClr val="333333"/>
                 </a:solidFill>
@@ -18451,18 +18485,246 @@
               <a:t>5</a:t>
             </a:r>
             <a:r>
-              <a:rPr lang="zh-CN" altLang="en-US" dirty="0">
+              <a:rPr lang="zh-CN" altLang="en-US" sz="2000" u="sng" dirty="0">
                 <a:solidFill>
                   <a:srgbClr val="333333"/>
                 </a:solidFill>
                 <a:latin typeface="+mn-ea"/>
                 <a:ea typeface="+mn-ea"/>
               </a:rPr>
-              <a:t>处，线上地图简洁规范、包含信息充分，用户操作体验良好。</a:t>
-            </a:r>
-            <a:endParaRPr lang="en-US" altLang="zh-CN" dirty="0">
+              <a:t>处</a:t>
+            </a:r>
+            <a:r>
+              <a:rPr lang="zh-CN" altLang="en-US" sz="2000" dirty="0">
+                <a:solidFill>
+                  <a:srgbClr val="333333"/>
+                </a:solidFill>
+                <a:latin typeface="+mn-ea"/>
+                <a:ea typeface="+mn-ea"/>
+              </a:rPr>
+              <a:t>，线上地图</a:t>
+            </a:r>
+            <a:r>
+              <a:rPr lang="zh-CN" altLang="en-US" sz="2000" u="sng" dirty="0">
+                <a:solidFill>
+                  <a:srgbClr val="333333"/>
+                </a:solidFill>
+                <a:latin typeface="+mn-ea"/>
+                <a:ea typeface="+mn-ea"/>
+              </a:rPr>
+              <a:t>简洁规范、包含信息充分，用户体验良好</a:t>
+            </a:r>
+            <a:r>
+              <a:rPr lang="zh-CN" altLang="en-US" sz="2000" dirty="0">
+                <a:solidFill>
+                  <a:srgbClr val="333333"/>
+                </a:solidFill>
+                <a:latin typeface="+mn-ea"/>
+                <a:ea typeface="+mn-ea"/>
+              </a:rPr>
+              <a:t>。</a:t>
+            </a:r>
+            <a:endParaRPr lang="en-US" altLang="zh-CN" sz="2000" dirty="0">
               <a:solidFill>
                 <a:srgbClr val="333333"/>
+              </a:solidFill>
+              <a:latin typeface="+mn-ea"/>
+              <a:ea typeface="+mn-ea"/>
+            </a:endParaRPr>
+          </a:p>
+          <a:p>
+            <a:pPr algn="just">
+              <a:lnSpc>
+                <a:spcPct val="200000"/>
+              </a:lnSpc>
+            </a:pPr>
+            <a:r>
+              <a:rPr lang="zh-CN" altLang="en-US" sz="2000" dirty="0">
+                <a:solidFill>
+                  <a:srgbClr val="333333"/>
+                </a:solidFill>
+                <a:latin typeface="+mn-ea"/>
+                <a:ea typeface="+mn-ea"/>
+              </a:rPr>
+              <a:t>作业提交：</a:t>
+            </a:r>
+            <a:r>
+              <a:rPr lang="en-US" altLang="zh-CN" sz="2000" b="1" dirty="0">
+                <a:solidFill>
+                  <a:srgbClr val="333333"/>
+                </a:solidFill>
+                <a:latin typeface="+mn-ea"/>
+                <a:ea typeface="+mn-ea"/>
+              </a:rPr>
+              <a:t>1</a:t>
+            </a:r>
+            <a:r>
+              <a:rPr lang="zh-CN" altLang="en-US" sz="2000" b="1" dirty="0">
+                <a:solidFill>
+                  <a:srgbClr val="333333"/>
+                </a:solidFill>
+                <a:latin typeface="+mn-ea"/>
+                <a:ea typeface="+mn-ea"/>
+              </a:rPr>
+              <a:t>）</a:t>
+            </a:r>
+            <a:r>
+              <a:rPr lang="en-US" altLang="zh-CN" sz="2000" b="1" dirty="0">
+                <a:solidFill>
+                  <a:srgbClr val="333333"/>
+                </a:solidFill>
+                <a:latin typeface="+mn-ea"/>
+                <a:ea typeface="+mn-ea"/>
+              </a:rPr>
+              <a:t>.html</a:t>
+            </a:r>
+            <a:r>
+              <a:rPr lang="zh-CN" altLang="en-US" sz="2000" b="1" dirty="0">
+                <a:solidFill>
+                  <a:srgbClr val="333333"/>
+                </a:solidFill>
+                <a:latin typeface="+mn-ea"/>
+                <a:ea typeface="+mn-ea"/>
+              </a:rPr>
+              <a:t>在线地图文件；</a:t>
+            </a:r>
+            <a:r>
+              <a:rPr lang="en-US" altLang="zh-CN" sz="2000" b="1" dirty="0">
+                <a:solidFill>
+                  <a:srgbClr val="333333"/>
+                </a:solidFill>
+                <a:latin typeface="+mn-ea"/>
+                <a:ea typeface="+mn-ea"/>
+              </a:rPr>
+              <a:t>2</a:t>
+            </a:r>
+            <a:r>
+              <a:rPr lang="zh-CN" altLang="en-US" sz="2000" b="1" dirty="0">
+                <a:solidFill>
+                  <a:srgbClr val="333333"/>
+                </a:solidFill>
+                <a:latin typeface="+mn-ea"/>
+                <a:ea typeface="+mn-ea"/>
+              </a:rPr>
+              <a:t>）</a:t>
+            </a:r>
+            <a:r>
+              <a:rPr lang="en-US" altLang="zh-CN" sz="2000" b="1" dirty="0">
+                <a:solidFill>
+                  <a:srgbClr val="333333"/>
+                </a:solidFill>
+                <a:latin typeface="+mn-ea"/>
+                <a:ea typeface="+mn-ea"/>
+              </a:rPr>
+              <a:t>markdown</a:t>
+            </a:r>
+            <a:r>
+              <a:rPr lang="zh-CN" altLang="en-US" sz="2000" b="1" dirty="0">
+                <a:solidFill>
+                  <a:srgbClr val="333333"/>
+                </a:solidFill>
+                <a:latin typeface="+mn-ea"/>
+                <a:ea typeface="+mn-ea"/>
+              </a:rPr>
+              <a:t>源代码说明文档</a:t>
+            </a:r>
+            <a:r>
+              <a:rPr lang="zh-CN" altLang="en-US" sz="2000" dirty="0">
+                <a:solidFill>
+                  <a:srgbClr val="333333"/>
+                </a:solidFill>
+                <a:latin typeface="+mn-ea"/>
+                <a:ea typeface="+mn-ea"/>
+              </a:rPr>
+              <a:t>。</a:t>
+            </a:r>
+            <a:endParaRPr lang="en-US" altLang="zh-CN" sz="2000" dirty="0">
+              <a:solidFill>
+                <a:srgbClr val="333333"/>
+              </a:solidFill>
+              <a:latin typeface="+mn-ea"/>
+              <a:ea typeface="+mn-ea"/>
+            </a:endParaRPr>
+          </a:p>
+          <a:p>
+            <a:pPr algn="just">
+              <a:lnSpc>
+                <a:spcPct val="200000"/>
+              </a:lnSpc>
+            </a:pPr>
+            <a:r>
+              <a:rPr lang="zh-CN" altLang="en-US" sz="2000" b="1" u="sng" dirty="0">
+                <a:solidFill>
+                  <a:srgbClr val="FF0000"/>
+                </a:solidFill>
+                <a:latin typeface="+mn-ea"/>
+                <a:ea typeface="+mn-ea"/>
+              </a:rPr>
+              <a:t>截止日期：</a:t>
+            </a:r>
+            <a:r>
+              <a:rPr lang="en-US" altLang="zh-CN" sz="2000" b="1" u="sng" dirty="0">
+                <a:solidFill>
+                  <a:srgbClr val="FF0000"/>
+                </a:solidFill>
+                <a:latin typeface="+mn-ea"/>
+                <a:ea typeface="+mn-ea"/>
+              </a:rPr>
+              <a:t>2023</a:t>
+            </a:r>
+            <a:r>
+              <a:rPr lang="zh-CN" altLang="en-US" sz="2000" b="1" u="sng" dirty="0">
+                <a:solidFill>
+                  <a:srgbClr val="FF0000"/>
+                </a:solidFill>
+                <a:latin typeface="+mn-ea"/>
+                <a:ea typeface="+mn-ea"/>
+              </a:rPr>
+              <a:t>年</a:t>
+            </a:r>
+            <a:r>
+              <a:rPr lang="en-US" altLang="zh-CN" sz="2000" b="1" u="sng" dirty="0">
+                <a:solidFill>
+                  <a:srgbClr val="FF0000"/>
+                </a:solidFill>
+                <a:latin typeface="+mn-ea"/>
+                <a:ea typeface="+mn-ea"/>
+              </a:rPr>
+              <a:t>12</a:t>
+            </a:r>
+            <a:r>
+              <a:rPr lang="zh-CN" altLang="en-US" sz="2000" b="1" u="sng" dirty="0">
+                <a:solidFill>
+                  <a:srgbClr val="FF0000"/>
+                </a:solidFill>
+                <a:latin typeface="+mn-ea"/>
+                <a:ea typeface="+mn-ea"/>
+              </a:rPr>
+              <a:t>月</a:t>
+            </a:r>
+            <a:r>
+              <a:rPr lang="en-US" altLang="zh-CN" sz="2000" b="1" u="sng" dirty="0">
+                <a:solidFill>
+                  <a:srgbClr val="FF0000"/>
+                </a:solidFill>
+                <a:latin typeface="+mn-ea"/>
+                <a:ea typeface="+mn-ea"/>
+              </a:rPr>
+              <a:t>18</a:t>
+            </a:r>
+            <a:r>
+              <a:rPr lang="zh-CN" altLang="en-US" sz="2000" b="1" u="sng" dirty="0">
+                <a:solidFill>
+                  <a:srgbClr val="FF0000"/>
+                </a:solidFill>
+                <a:latin typeface="+mn-ea"/>
+                <a:ea typeface="+mn-ea"/>
+              </a:rPr>
+              <a:t>日！</a:t>
+            </a:r>
+            <a:endParaRPr lang="en-US" altLang="zh-CN" sz="2000" b="1" u="sng" dirty="0">
+              <a:solidFill>
+                <a:srgbClr val="FF0000"/>
               </a:solidFill>
               <a:latin typeface="+mn-ea"/>
               <a:ea typeface="+mn-ea"/>
